--- a/People Section.pptx
+++ b/People Section.pptx
@@ -105,6 +105,11 @@
       </a:defRPr>
     </a:lvl9pPr>
   </p:defaultTextStyle>
+  <p:extLst>
+    <p:ext uri="{EFAFB233-063F-42B5-8137-9DF3F51BA10A}">
+      <p15:sldGuideLst xmlns:p15="http://schemas.microsoft.com/office/powerpoint/2012/main"/>
+    </p:ext>
+  </p:extLst>
 </p:presentation>
 </file>
 
@@ -2981,8 +2986,16 @@
           <a:lstStyle/>
           <a:p>
             <a:r>
+              <a:rPr lang="en-US" smtClean="0"/>
+              <a:t>Tomm’s</a:t>
+            </a:r>
+            <a:r>
               <a:rPr lang="en-US" dirty="0" smtClean="0"/>
-              <a:t>Tom’s Stuff</a:t>
+              <a:t> </a:t>
+            </a:r>
+            <a:r>
+              <a:rPr lang="en-US" dirty="0" smtClean="0"/>
+              <a:t>Stuff</a:t>
             </a:r>
             <a:endParaRPr lang="en-US" dirty="0"/>
           </a:p>

--- a/People Section.pptx
+++ b/People Section.pptx
@@ -2991,11 +2991,7 @@
             </a:r>
             <a:r>
               <a:rPr lang="en-US" dirty="0" smtClean="0"/>
-              <a:t> </a:t>
-            </a:r>
-            <a:r>
-              <a:rPr lang="en-US" dirty="0" smtClean="0"/>
-              <a:t>Stuff</a:t>
+              <a:t> Stuff</a:t>
             </a:r>
             <a:endParaRPr lang="en-US" dirty="0"/>
           </a:p>
@@ -3030,6 +3026,13 @@
   <p:clrMapOvr>
     <a:masterClrMapping/>
   </p:clrMapOvr>
+  <p:timing>
+    <p:tnLst>
+      <p:par>
+        <p:cTn id="1" dur="indefinite" restart="never" nodeType="tmRoot"/>
+      </p:par>
+    </p:tnLst>
+  </p:timing>
 </p:sld>
 </file>
 
@@ -3066,14 +3069,18 @@
           <a:lstStyle/>
           <a:p>
             <a:r>
-              <a:rPr lang="en-US" dirty="0" err="1" smtClean="0"/>
-              <a:t>Shyma’s</a:t>
-            </a:r>
-            <a:r>
-              <a:rPr lang="en-US" smtClean="0"/>
-              <a:t> Stuff</a:t>
-            </a:r>
-            <a:endParaRPr lang="en-US"/>
+              <a:rPr lang="en-US" smtClean="0"/>
+              <a:t>Shymaaaa’s</a:t>
+            </a:r>
+            <a:r>
+              <a:rPr lang="en-US" dirty="0" smtClean="0"/>
+              <a:t> </a:t>
+            </a:r>
+            <a:r>
+              <a:rPr lang="en-US" dirty="0" smtClean="0"/>
+              <a:t>Stuff</a:t>
+            </a:r>
+            <a:endParaRPr lang="en-US" dirty="0"/>
           </a:p>
         </p:txBody>
       </p:sp>
@@ -3106,6 +3113,13 @@
   <p:clrMapOvr>
     <a:masterClrMapping/>
   </p:clrMapOvr>
+  <p:timing>
+    <p:tnLst>
+      <p:par>
+        <p:cTn id="1" dur="indefinite" restart="never" nodeType="tmRoot"/>
+      </p:par>
+    </p:tnLst>
+  </p:timing>
 </p:sld>
 </file>
 

--- a/People Section.pptx
+++ b/People Section.pptx
@@ -2991,11 +2991,7 @@
             </a:r>
             <a:r>
               <a:rPr lang="en-US" dirty="0" smtClean="0"/>
-              <a:t> </a:t>
-            </a:r>
-            <a:r>
-              <a:rPr lang="en-US" dirty="0" smtClean="0"/>
-              <a:t>Stuff</a:t>
+              <a:t> Stuff</a:t>
             </a:r>
             <a:endParaRPr lang="en-US" dirty="0"/>
           </a:p>
@@ -3070,10 +3066,14 @@
               <a:t>Shyma’s</a:t>
             </a:r>
             <a:r>
-              <a:rPr lang="en-US" smtClean="0"/>
-              <a:t> Stuff</a:t>
-            </a:r>
-            <a:endParaRPr lang="en-US"/>
+              <a:rPr lang="en-US" dirty="0" smtClean="0"/>
+              <a:t> </a:t>
+            </a:r>
+            <a:r>
+              <a:rPr lang="en-US" smtClean="0"/>
+              <a:t>Stufasdasdf</a:t>
+            </a:r>
+            <a:endParaRPr lang="en-US" dirty="0"/>
           </a:p>
         </p:txBody>
       </p:sp>

--- a/People Section.pptx
+++ b/People Section.pptx
@@ -3099,6 +3099,10 @@
           <a:bodyPr/>
           <a:lstStyle/>
           <a:p>
+            <a:r>
+              <a:rPr lang="en-US" smtClean="0"/>
+              <a:t>Test Number 2</a:t>
+            </a:r>
             <a:endParaRPr lang="en-US"/>
           </a:p>
         </p:txBody>
